--- a/r2spcv.pptx
+++ b/r2spcv.pptx
@@ -4519,135 +4519,156 @@
           </a:p>
         </p:txBody>
       </p:sp>
-      <p:pic>
-        <p:nvPicPr>
-          <p:cNvPr id="3" name="Picture 2">
-            <a:extLst>
-              <a:ext uri="{FF2B5EF4-FFF2-40B4-BE49-F238E27FC236}">
-                <a16:creationId xmlns:a16="http://schemas.microsoft.com/office/drawing/2014/main" id="{7ACA0221-415D-C147-880C-5D0381E3C4FE}"/>
-              </a:ext>
-            </a:extLst>
-          </p:cNvPr>
-          <p:cNvPicPr>
-            <a:picLocks noChangeAspect="1"/>
-          </p:cNvPicPr>
+      <p:grpSp>
+        <p:nvGrpSpPr>
+          <p:cNvPr id="20" name="Group 19">
+            <a:extLst>
+              <a:ext uri="{FF2B5EF4-FFF2-40B4-BE49-F238E27FC236}">
+                <a16:creationId xmlns:a16="http://schemas.microsoft.com/office/drawing/2014/main" id="{DB5726D4-FBB3-D348-AF95-E54CC217B1AA}"/>
+              </a:ext>
+            </a:extLst>
+          </p:cNvPr>
+          <p:cNvGrpSpPr/>
           <p:nvPr/>
-        </p:nvPicPr>
-        <p:blipFill rotWithShape="1">
-          <a:blip r:embed="rId3"/>
-          <a:srcRect r="18998"/>
-          <a:stretch/>
-        </p:blipFill>
-        <p:spPr>
+        </p:nvGrpSpPr>
+        <p:grpSpPr>
           <a:xfrm>
             <a:off x="126093" y="66345"/>
-            <a:ext cx="4474936" cy="4902200"/>
+            <a:ext cx="10227130" cy="5223510"/>
+            <a:chOff x="126093" y="66345"/>
+            <a:chExt cx="10227130" cy="5223510"/>
           </a:xfrm>
-          <a:prstGeom prst="rect">
-            <a:avLst/>
-          </a:prstGeom>
-        </p:spPr>
-      </p:pic>
-      <p:pic>
-        <p:nvPicPr>
-          <p:cNvPr id="10" name="Picture 9">
-            <a:extLst>
-              <a:ext uri="{FF2B5EF4-FFF2-40B4-BE49-F238E27FC236}">
-                <a16:creationId xmlns:a16="http://schemas.microsoft.com/office/drawing/2014/main" id="{EB7C4772-75A0-5040-AB5B-34BA3694C8BE}"/>
-              </a:ext>
-            </a:extLst>
-          </p:cNvPr>
-          <p:cNvPicPr>
-            <a:picLocks noChangeAspect="1"/>
-          </p:cNvPicPr>
-          <p:nvPr/>
-        </p:nvPicPr>
-        <p:blipFill>
-          <a:blip r:embed="rId4"/>
-          <a:stretch>
-            <a:fillRect/>
-          </a:stretch>
-        </p:blipFill>
-        <p:spPr>
-          <a:xfrm>
-            <a:off x="4828723" y="66345"/>
-            <a:ext cx="5524500" cy="4902200"/>
-          </a:xfrm>
-          <a:prstGeom prst="rect">
-            <a:avLst/>
-          </a:prstGeom>
-        </p:spPr>
-      </p:pic>
-      <p:sp>
-        <p:nvSpPr>
-          <p:cNvPr id="18" name="TextBox 17">
-            <a:extLst>
-              <a:ext uri="{FF2B5EF4-FFF2-40B4-BE49-F238E27FC236}">
-                <a16:creationId xmlns:a16="http://schemas.microsoft.com/office/drawing/2014/main" id="{06407811-23F6-F240-8889-6664F66827CF}"/>
-              </a:ext>
-            </a:extLst>
-          </p:cNvPr>
-          <p:cNvSpPr txBox="1"/>
-          <p:nvPr/>
-        </p:nvSpPr>
-        <p:spPr>
-          <a:xfrm>
-            <a:off x="4358473" y="4909894"/>
-            <a:ext cx="295274" cy="369332"/>
-          </a:xfrm>
-          <a:prstGeom prst="rect">
-            <a:avLst/>
-          </a:prstGeom>
-          <a:noFill/>
-        </p:spPr>
-        <p:txBody>
-          <a:bodyPr wrap="none" rtlCol="0">
-            <a:spAutoFit/>
-          </a:bodyPr>
-          <a:lstStyle/>
-          <a:p>
-            <a:r>
-              <a:rPr lang="en-GB" dirty="0"/>
-              <a:t>a</a:t>
-            </a:r>
-          </a:p>
-        </p:txBody>
-      </p:sp>
-      <p:sp>
-        <p:nvSpPr>
-          <p:cNvPr id="19" name="TextBox 18">
-            <a:extLst>
-              <a:ext uri="{FF2B5EF4-FFF2-40B4-BE49-F238E27FC236}">
-                <a16:creationId xmlns:a16="http://schemas.microsoft.com/office/drawing/2014/main" id="{DC1A3CEE-1C85-634F-A205-D3A234E80008}"/>
-              </a:ext>
-            </a:extLst>
-          </p:cNvPr>
-          <p:cNvSpPr txBox="1"/>
-          <p:nvPr/>
-        </p:nvSpPr>
-        <p:spPr>
-          <a:xfrm>
-            <a:off x="9013874" y="4920523"/>
-            <a:ext cx="306494" cy="369332"/>
-          </a:xfrm>
-          <a:prstGeom prst="rect">
-            <a:avLst/>
-          </a:prstGeom>
-          <a:noFill/>
-        </p:spPr>
-        <p:txBody>
-          <a:bodyPr wrap="none" rtlCol="0">
-            <a:spAutoFit/>
-          </a:bodyPr>
-          <a:lstStyle/>
-          <a:p>
-            <a:r>
-              <a:rPr lang="en-GB" dirty="0"/>
-              <a:t>b</a:t>
-            </a:r>
-          </a:p>
-        </p:txBody>
-      </p:sp>
+        </p:grpSpPr>
+        <p:pic>
+          <p:nvPicPr>
+            <p:cNvPr id="3" name="Picture 2">
+              <a:extLst>
+                <a:ext uri="{FF2B5EF4-FFF2-40B4-BE49-F238E27FC236}">
+                  <a16:creationId xmlns:a16="http://schemas.microsoft.com/office/drawing/2014/main" id="{7ACA0221-415D-C147-880C-5D0381E3C4FE}"/>
+                </a:ext>
+              </a:extLst>
+            </p:cNvPr>
+            <p:cNvPicPr>
+              <a:picLocks noChangeAspect="1"/>
+            </p:cNvPicPr>
+            <p:nvPr/>
+          </p:nvPicPr>
+          <p:blipFill rotWithShape="1">
+            <a:blip r:embed="rId3"/>
+            <a:srcRect r="18998"/>
+            <a:stretch/>
+          </p:blipFill>
+          <p:spPr>
+            <a:xfrm>
+              <a:off x="126093" y="66345"/>
+              <a:ext cx="4474936" cy="4902200"/>
+            </a:xfrm>
+            <a:prstGeom prst="rect">
+              <a:avLst/>
+            </a:prstGeom>
+          </p:spPr>
+        </p:pic>
+        <p:pic>
+          <p:nvPicPr>
+            <p:cNvPr id="10" name="Picture 9">
+              <a:extLst>
+                <a:ext uri="{FF2B5EF4-FFF2-40B4-BE49-F238E27FC236}">
+                  <a16:creationId xmlns:a16="http://schemas.microsoft.com/office/drawing/2014/main" id="{EB7C4772-75A0-5040-AB5B-34BA3694C8BE}"/>
+                </a:ext>
+              </a:extLst>
+            </p:cNvPr>
+            <p:cNvPicPr>
+              <a:picLocks noChangeAspect="1"/>
+            </p:cNvPicPr>
+            <p:nvPr/>
+          </p:nvPicPr>
+          <p:blipFill>
+            <a:blip r:embed="rId4"/>
+            <a:stretch>
+              <a:fillRect/>
+            </a:stretch>
+          </p:blipFill>
+          <p:spPr>
+            <a:xfrm>
+              <a:off x="4828723" y="66345"/>
+              <a:ext cx="5524500" cy="4902200"/>
+            </a:xfrm>
+            <a:prstGeom prst="rect">
+              <a:avLst/>
+            </a:prstGeom>
+          </p:spPr>
+        </p:pic>
+        <p:sp>
+          <p:nvSpPr>
+            <p:cNvPr id="18" name="TextBox 17">
+              <a:extLst>
+                <a:ext uri="{FF2B5EF4-FFF2-40B4-BE49-F238E27FC236}">
+                  <a16:creationId xmlns:a16="http://schemas.microsoft.com/office/drawing/2014/main" id="{06407811-23F6-F240-8889-6664F66827CF}"/>
+                </a:ext>
+              </a:extLst>
+            </p:cNvPr>
+            <p:cNvSpPr txBox="1"/>
+            <p:nvPr/>
+          </p:nvSpPr>
+          <p:spPr>
+            <a:xfrm>
+              <a:off x="4358473" y="4909894"/>
+              <a:ext cx="295274" cy="369332"/>
+            </a:xfrm>
+            <a:prstGeom prst="rect">
+              <a:avLst/>
+            </a:prstGeom>
+            <a:noFill/>
+          </p:spPr>
+          <p:txBody>
+            <a:bodyPr wrap="none" rtlCol="0">
+              <a:spAutoFit/>
+            </a:bodyPr>
+            <a:lstStyle/>
+            <a:p>
+              <a:r>
+                <a:rPr lang="en-GB" dirty="0"/>
+                <a:t>a</a:t>
+              </a:r>
+            </a:p>
+          </p:txBody>
+        </p:sp>
+        <p:sp>
+          <p:nvSpPr>
+            <p:cNvPr id="19" name="TextBox 18">
+              <a:extLst>
+                <a:ext uri="{FF2B5EF4-FFF2-40B4-BE49-F238E27FC236}">
+                  <a16:creationId xmlns:a16="http://schemas.microsoft.com/office/drawing/2014/main" id="{DC1A3CEE-1C85-634F-A205-D3A234E80008}"/>
+                </a:ext>
+              </a:extLst>
+            </p:cNvPr>
+            <p:cNvSpPr txBox="1"/>
+            <p:nvPr/>
+          </p:nvSpPr>
+          <p:spPr>
+            <a:xfrm>
+              <a:off x="9013874" y="4920523"/>
+              <a:ext cx="306494" cy="369332"/>
+            </a:xfrm>
+            <a:prstGeom prst="rect">
+              <a:avLst/>
+            </a:prstGeom>
+            <a:noFill/>
+          </p:spPr>
+          <p:txBody>
+            <a:bodyPr wrap="none" rtlCol="0">
+              <a:spAutoFit/>
+            </a:bodyPr>
+            <a:lstStyle/>
+            <a:p>
+              <a:r>
+                <a:rPr lang="en-GB" dirty="0"/>
+                <a:t>b</a:t>
+              </a:r>
+            </a:p>
+          </p:txBody>
+        </p:sp>
+      </p:grpSp>
     </p:spTree>
     <p:extLst>
       <p:ext uri="{BB962C8B-B14F-4D97-AF65-F5344CB8AC3E}">
